--- a/CreacionVideo/ProyectoNEURO.pptx
+++ b/CreacionVideo/ProyectoNEURO.pptx
@@ -104,6 +104,11 @@
       </a:defRPr>
     </a:lvl9pPr>
   </p:defaultTextStyle>
+  <p:extLst>
+    <p:ext uri="{EFAFB233-063F-42B5-8137-9DF3F51BA10A}">
+      <p15:sldGuideLst xmlns:p15="http://schemas.microsoft.com/office/powerpoint/2012/main"/>
+    </p:ext>
+  </p:extLst>
 </p:presentation>
 </file>
 
@@ -254,7 +259,7 @@
           <a:p>
             <a:fld id="{EB866C16-6483-47AA-A5B5-6467A0016638}" type="datetimeFigureOut">
               <a:rPr lang="es-ES" smtClean="0"/>
-              <a:t>25/03/2021</a:t>
+              <a:t>11/04/2021</a:t>
             </a:fld>
             <a:endParaRPr lang="es-ES"/>
           </a:p>
@@ -452,7 +457,7 @@
           <a:p>
             <a:fld id="{EB866C16-6483-47AA-A5B5-6467A0016638}" type="datetimeFigureOut">
               <a:rPr lang="es-ES" smtClean="0"/>
-              <a:t>25/03/2021</a:t>
+              <a:t>11/04/2021</a:t>
             </a:fld>
             <a:endParaRPr lang="es-ES"/>
           </a:p>
@@ -660,7 +665,7 @@
           <a:p>
             <a:fld id="{EB866C16-6483-47AA-A5B5-6467A0016638}" type="datetimeFigureOut">
               <a:rPr lang="es-ES" smtClean="0"/>
-              <a:t>25/03/2021</a:t>
+              <a:t>11/04/2021</a:t>
             </a:fld>
             <a:endParaRPr lang="es-ES"/>
           </a:p>
@@ -858,7 +863,7 @@
           <a:p>
             <a:fld id="{EB866C16-6483-47AA-A5B5-6467A0016638}" type="datetimeFigureOut">
               <a:rPr lang="es-ES" smtClean="0"/>
-              <a:t>25/03/2021</a:t>
+              <a:t>11/04/2021</a:t>
             </a:fld>
             <a:endParaRPr lang="es-ES"/>
           </a:p>
@@ -1133,7 +1138,7 @@
           <a:p>
             <a:fld id="{EB866C16-6483-47AA-A5B5-6467A0016638}" type="datetimeFigureOut">
               <a:rPr lang="es-ES" smtClean="0"/>
-              <a:t>25/03/2021</a:t>
+              <a:t>11/04/2021</a:t>
             </a:fld>
             <a:endParaRPr lang="es-ES"/>
           </a:p>
@@ -1398,7 +1403,7 @@
           <a:p>
             <a:fld id="{EB866C16-6483-47AA-A5B5-6467A0016638}" type="datetimeFigureOut">
               <a:rPr lang="es-ES" smtClean="0"/>
-              <a:t>25/03/2021</a:t>
+              <a:t>11/04/2021</a:t>
             </a:fld>
             <a:endParaRPr lang="es-ES"/>
           </a:p>
@@ -1810,7 +1815,7 @@
           <a:p>
             <a:fld id="{EB866C16-6483-47AA-A5B5-6467A0016638}" type="datetimeFigureOut">
               <a:rPr lang="es-ES" smtClean="0"/>
-              <a:t>25/03/2021</a:t>
+              <a:t>11/04/2021</a:t>
             </a:fld>
             <a:endParaRPr lang="es-ES"/>
           </a:p>
@@ -1951,7 +1956,7 @@
           <a:p>
             <a:fld id="{EB866C16-6483-47AA-A5B5-6467A0016638}" type="datetimeFigureOut">
               <a:rPr lang="es-ES" smtClean="0"/>
-              <a:t>25/03/2021</a:t>
+              <a:t>11/04/2021</a:t>
             </a:fld>
             <a:endParaRPr lang="es-ES"/>
           </a:p>
@@ -2064,7 +2069,7 @@
           <a:p>
             <a:fld id="{EB866C16-6483-47AA-A5B5-6467A0016638}" type="datetimeFigureOut">
               <a:rPr lang="es-ES" smtClean="0"/>
-              <a:t>25/03/2021</a:t>
+              <a:t>11/04/2021</a:t>
             </a:fld>
             <a:endParaRPr lang="es-ES"/>
           </a:p>
@@ -2375,7 +2380,7 @@
           <a:p>
             <a:fld id="{EB866C16-6483-47AA-A5B5-6467A0016638}" type="datetimeFigureOut">
               <a:rPr lang="es-ES" smtClean="0"/>
-              <a:t>25/03/2021</a:t>
+              <a:t>11/04/2021</a:t>
             </a:fld>
             <a:endParaRPr lang="es-ES"/>
           </a:p>
@@ -2663,7 +2668,7 @@
           <a:p>
             <a:fld id="{EB866C16-6483-47AA-A5B5-6467A0016638}" type="datetimeFigureOut">
               <a:rPr lang="es-ES" smtClean="0"/>
-              <a:t>25/03/2021</a:t>
+              <a:t>11/04/2021</a:t>
             </a:fld>
             <a:endParaRPr lang="es-ES"/>
           </a:p>
@@ -2904,7 +2909,7 @@
           <a:p>
             <a:fld id="{EB866C16-6483-47AA-A5B5-6467A0016638}" type="datetimeFigureOut">
               <a:rPr lang="es-ES" smtClean="0"/>
-              <a:t>25/03/2021</a:t>
+              <a:t>11/04/2021</a:t>
             </a:fld>
             <a:endParaRPr lang="es-ES"/>
           </a:p>
@@ -3408,7 +3413,7 @@
                                   <p:childTnLst>
                                     <p:animMotion origin="layout" path="M -3.75E-6 0 L 1.0961 0 " pathEditMode="relative" rAng="0" ptsTypes="AA">
                                       <p:cBhvr>
-                                        <p:cTn id="6" dur="3000" fill="hold"/>
+                                        <p:cTn id="6" dur="1500" fill="hold"/>
                                         <p:tgtEl>
                                           <p:spTgt spid="4"/>
                                         </p:tgtEl>
